--- a/Presentations/ЭЛИНС. Занятие 2.pptx
+++ b/Presentations/ЭЛИНС. Занятие 2.pptx
@@ -11001,10 +11001,10 @@
                 <a:solidFill>
                   <a:srgbClr val="FFFFFF"/>
                 </a:solidFill>
-                <a:latin typeface="Lato"/>
-                <a:ea typeface="Lato"/>
-                <a:cs typeface="Lato"/>
-                <a:sym typeface="Lato"/>
+                <a:latin typeface="Times New Roman"/>
+                <a:ea typeface="Times New Roman"/>
+                <a:cs typeface="Times New Roman"/>
+                <a:sym typeface="Times New Roman"/>
               </a:rPr>
               <a:t>Grayscale </a:t>
             </a:r>
@@ -11012,10 +11012,10 @@
               <a:solidFill>
                 <a:srgbClr val="FFFFFF"/>
               </a:solidFill>
-              <a:latin typeface="Lato"/>
-              <a:ea typeface="Lato"/>
-              <a:cs typeface="Lato"/>
-              <a:sym typeface="Lato"/>
+              <a:latin typeface="Times New Roman"/>
+              <a:ea typeface="Times New Roman"/>
+              <a:cs typeface="Times New Roman"/>
+              <a:sym typeface="Times New Roman"/>
             </a:endParaRPr>
           </a:p>
           <a:p>
@@ -11033,10 +11033,10 @@
                 <a:solidFill>
                   <a:srgbClr val="FFFFFF"/>
                 </a:solidFill>
-                <a:latin typeface="Lato"/>
-                <a:ea typeface="Lato"/>
-                <a:cs typeface="Lato"/>
-                <a:sym typeface="Lato"/>
+                <a:latin typeface="Times New Roman"/>
+                <a:ea typeface="Times New Roman"/>
+                <a:cs typeface="Times New Roman"/>
+                <a:sym typeface="Times New Roman"/>
               </a:rPr>
               <a:t>(оттенки серого, монохромное изображение)</a:t>
             </a:r>
@@ -11044,10 +11044,10 @@
               <a:solidFill>
                 <a:srgbClr val="FFFFFF"/>
               </a:solidFill>
-              <a:latin typeface="Lato"/>
-              <a:ea typeface="Lato"/>
-              <a:cs typeface="Lato"/>
-              <a:sym typeface="Lato"/>
+              <a:latin typeface="Times New Roman"/>
+              <a:ea typeface="Times New Roman"/>
+              <a:cs typeface="Times New Roman"/>
+              <a:sym typeface="Times New Roman"/>
             </a:endParaRPr>
           </a:p>
           <a:p>
@@ -11067,10 +11067,10 @@
               <a:solidFill>
                 <a:srgbClr val="FFFFFF"/>
               </a:solidFill>
-              <a:latin typeface="Lato"/>
-              <a:ea typeface="Lato"/>
-              <a:cs typeface="Lato"/>
-              <a:sym typeface="Lato"/>
+              <a:latin typeface="Times New Roman"/>
+              <a:ea typeface="Times New Roman"/>
+              <a:cs typeface="Times New Roman"/>
+              <a:sym typeface="Times New Roman"/>
             </a:endParaRPr>
           </a:p>
           <a:p>
@@ -11088,10 +11088,10 @@
                 <a:solidFill>
                   <a:srgbClr val="FFFFFF"/>
                 </a:solidFill>
-                <a:latin typeface="Lato"/>
-                <a:ea typeface="Lato"/>
-                <a:cs typeface="Lato"/>
-                <a:sym typeface="Lato"/>
+                <a:latin typeface="Times New Roman"/>
+                <a:ea typeface="Times New Roman"/>
+                <a:cs typeface="Times New Roman"/>
+                <a:sym typeface="Times New Roman"/>
               </a:rPr>
               <a:t>На таком изображении значение пикселей может варьироваться от 0 до 255 как показано на рисунке.</a:t>
             </a:r>
@@ -11100,10 +11100,10 @@
                 <a:solidFill>
                   <a:srgbClr val="FFFFFF"/>
                 </a:solidFill>
-                <a:latin typeface="Lato"/>
-                <a:ea typeface="Lato"/>
-                <a:cs typeface="Lato"/>
-                <a:sym typeface="Lato"/>
+                <a:latin typeface="Times New Roman"/>
+                <a:ea typeface="Times New Roman"/>
+                <a:cs typeface="Times New Roman"/>
+                <a:sym typeface="Times New Roman"/>
               </a:rPr>
             </a:br>
             <a:br>
@@ -11111,10 +11111,10 @@
                 <a:solidFill>
                   <a:srgbClr val="FFFFFF"/>
                 </a:solidFill>
-                <a:latin typeface="Lato"/>
-                <a:ea typeface="Lato"/>
-                <a:cs typeface="Lato"/>
-                <a:sym typeface="Lato"/>
+                <a:latin typeface="Times New Roman"/>
+                <a:ea typeface="Times New Roman"/>
+                <a:cs typeface="Times New Roman"/>
+                <a:sym typeface="Times New Roman"/>
               </a:rPr>
             </a:br>
             <a:r>
@@ -11122,10 +11122,10 @@
                 <a:solidFill>
                   <a:srgbClr val="FFFFFF"/>
                 </a:solidFill>
-                <a:latin typeface="Lato"/>
-                <a:ea typeface="Lato"/>
-                <a:cs typeface="Lato"/>
-                <a:sym typeface="Lato"/>
+                <a:latin typeface="Times New Roman"/>
+                <a:ea typeface="Times New Roman"/>
+                <a:cs typeface="Times New Roman"/>
+                <a:sym typeface="Times New Roman"/>
               </a:rPr>
               <a:t>Здесь, 0 соответствует абсолютно черному, а 255 абсолютно белому</a:t>
             </a:r>
@@ -11133,10 +11133,10 @@
               <a:solidFill>
                 <a:srgbClr val="FFFFFF"/>
               </a:solidFill>
-              <a:latin typeface="Lato"/>
-              <a:ea typeface="Lato"/>
-              <a:cs typeface="Lato"/>
-              <a:sym typeface="Lato"/>
+              <a:latin typeface="Times New Roman"/>
+              <a:ea typeface="Times New Roman"/>
+              <a:cs typeface="Times New Roman"/>
+              <a:sym typeface="Times New Roman"/>
             </a:endParaRPr>
           </a:p>
         </p:txBody>
@@ -11490,10 +11490,10 @@
                 <a:solidFill>
                   <a:srgbClr val="FFFFFF"/>
                 </a:solidFill>
-                <a:latin typeface="Lato"/>
-                <a:ea typeface="Lato"/>
-                <a:cs typeface="Lato"/>
-                <a:sym typeface="Lato"/>
+                <a:latin typeface="Times New Roman"/>
+                <a:ea typeface="Times New Roman"/>
+                <a:cs typeface="Times New Roman"/>
+                <a:sym typeface="Times New Roman"/>
               </a:rPr>
               <a:t>Color/RGB</a:t>
             </a:r>
@@ -11501,10 +11501,10 @@
               <a:solidFill>
                 <a:srgbClr val="FFFFFF"/>
               </a:solidFill>
-              <a:latin typeface="Lato"/>
-              <a:ea typeface="Lato"/>
-              <a:cs typeface="Lato"/>
-              <a:sym typeface="Lato"/>
+              <a:latin typeface="Times New Roman"/>
+              <a:ea typeface="Times New Roman"/>
+              <a:cs typeface="Times New Roman"/>
+              <a:sym typeface="Times New Roman"/>
             </a:endParaRPr>
           </a:p>
           <a:p>
@@ -11522,10 +11522,10 @@
                 <a:solidFill>
                   <a:srgbClr val="FFFFFF"/>
                 </a:solidFill>
-                <a:latin typeface="Lato"/>
-                <a:ea typeface="Lato"/>
-                <a:cs typeface="Lato"/>
-                <a:sym typeface="Lato"/>
+                <a:latin typeface="Times New Roman"/>
+                <a:ea typeface="Times New Roman"/>
+                <a:cs typeface="Times New Roman"/>
+                <a:sym typeface="Times New Roman"/>
               </a:rPr>
               <a:t>(Цветное, трехканальное)</a:t>
             </a:r>
@@ -11533,10 +11533,10 @@
               <a:solidFill>
                 <a:srgbClr val="FFFFFF"/>
               </a:solidFill>
-              <a:latin typeface="Lato"/>
-              <a:ea typeface="Lato"/>
-              <a:cs typeface="Lato"/>
-              <a:sym typeface="Lato"/>
+              <a:latin typeface="Times New Roman"/>
+              <a:ea typeface="Times New Roman"/>
+              <a:cs typeface="Times New Roman"/>
+              <a:sym typeface="Times New Roman"/>
             </a:endParaRPr>
           </a:p>
           <a:p>
@@ -11556,10 +11556,10 @@
               <a:solidFill>
                 <a:srgbClr val="FFFFFF"/>
               </a:solidFill>
-              <a:latin typeface="Lato"/>
-              <a:ea typeface="Lato"/>
-              <a:cs typeface="Lato"/>
-              <a:sym typeface="Lato"/>
+              <a:latin typeface="Times New Roman"/>
+              <a:ea typeface="Times New Roman"/>
+              <a:cs typeface="Times New Roman"/>
+              <a:sym typeface="Times New Roman"/>
             </a:endParaRPr>
           </a:p>
           <a:p>
@@ -11577,10 +11577,10 @@
                 <a:solidFill>
                   <a:srgbClr val="FFFFFF"/>
                 </a:solidFill>
-                <a:latin typeface="Lato"/>
-                <a:ea typeface="Lato"/>
-                <a:cs typeface="Lato"/>
-                <a:sym typeface="Lato"/>
+                <a:latin typeface="Times New Roman"/>
+                <a:ea typeface="Times New Roman"/>
+                <a:cs typeface="Times New Roman"/>
+                <a:sym typeface="Times New Roman"/>
               </a:rPr>
               <a:t>Красный, зеленый и синий</a:t>
             </a:r>
@@ -11589,10 +11589,10 @@
                 <a:solidFill>
                   <a:srgbClr val="FFFFFF"/>
                 </a:solidFill>
-                <a:latin typeface="Lato"/>
-                <a:ea typeface="Lato"/>
-                <a:cs typeface="Lato"/>
-                <a:sym typeface="Lato"/>
+                <a:latin typeface="Times New Roman"/>
+                <a:ea typeface="Times New Roman"/>
+                <a:cs typeface="Times New Roman"/>
+                <a:sym typeface="Times New Roman"/>
               </a:rPr>
               <a:t> основные цветовые компоненты, смешивая которые в разных пропорциях получаем различные цвета. </a:t>
             </a:r>
@@ -11600,10 +11600,10 @@
               <a:solidFill>
                 <a:srgbClr val="FFFFFF"/>
               </a:solidFill>
-              <a:latin typeface="Lato"/>
-              <a:ea typeface="Lato"/>
-              <a:cs typeface="Lato"/>
-              <a:sym typeface="Lato"/>
+              <a:latin typeface="Times New Roman"/>
+              <a:ea typeface="Times New Roman"/>
+              <a:cs typeface="Times New Roman"/>
+              <a:sym typeface="Times New Roman"/>
             </a:endParaRPr>
           </a:p>
           <a:p>
@@ -11621,10 +11621,10 @@
                 <a:solidFill>
                   <a:srgbClr val="FFFFFF"/>
                 </a:solidFill>
-                <a:latin typeface="Lato"/>
-                <a:ea typeface="Lato"/>
-                <a:cs typeface="Lato"/>
-                <a:sym typeface="Lato"/>
+                <a:latin typeface="Times New Roman"/>
+                <a:ea typeface="Times New Roman"/>
+                <a:cs typeface="Times New Roman"/>
+                <a:sym typeface="Times New Roman"/>
               </a:rPr>
             </a:br>
             <a:r>
@@ -11632,10 +11632,10 @@
                 <a:solidFill>
                   <a:srgbClr val="FFFFFF"/>
                 </a:solidFill>
-                <a:latin typeface="Lato"/>
-                <a:ea typeface="Lato"/>
-                <a:cs typeface="Lato"/>
-                <a:sym typeface="Lato"/>
+                <a:latin typeface="Times New Roman"/>
+                <a:ea typeface="Times New Roman"/>
+                <a:cs typeface="Times New Roman"/>
+                <a:sym typeface="Times New Roman"/>
               </a:rPr>
               <a:t>Пиксель на таком изображении имеет 3 раздельных канала. Значения каждого канала варьируются от 0 до 255</a:t>
             </a:r>
@@ -11643,10 +11643,10 @@
               <a:solidFill>
                 <a:srgbClr val="FFFFFF"/>
               </a:solidFill>
-              <a:latin typeface="Lato"/>
-              <a:ea typeface="Lato"/>
-              <a:cs typeface="Lato"/>
-              <a:sym typeface="Lato"/>
+              <a:latin typeface="Times New Roman"/>
+              <a:ea typeface="Times New Roman"/>
+              <a:cs typeface="Times New Roman"/>
+              <a:sym typeface="Times New Roman"/>
             </a:endParaRPr>
           </a:p>
         </p:txBody>
@@ -11904,10 +11904,10 @@
                 <a:solidFill>
                   <a:srgbClr val="FFFFFF"/>
                 </a:solidFill>
-                <a:latin typeface="Lato"/>
-                <a:ea typeface="Lato"/>
-                <a:cs typeface="Lato"/>
-                <a:sym typeface="Lato"/>
+                <a:latin typeface="Times New Roman"/>
+                <a:ea typeface="Times New Roman"/>
+                <a:cs typeface="Times New Roman"/>
+                <a:sym typeface="Times New Roman"/>
               </a:rPr>
               <a:t>1. 	Подключаем модули highgui и </a:t>
             </a:r>
@@ -11916,10 +11916,10 @@
                 <a:solidFill>
                   <a:srgbClr val="FFFFFF"/>
                 </a:solidFill>
-                <a:latin typeface="Lato"/>
-                <a:ea typeface="Lato"/>
-                <a:cs typeface="Lato"/>
-                <a:sym typeface="Lato"/>
+                <a:latin typeface="Times New Roman"/>
+                <a:ea typeface="Times New Roman"/>
+                <a:cs typeface="Times New Roman"/>
+                <a:sym typeface="Times New Roman"/>
               </a:rPr>
             </a:br>
             <a:r>
@@ -11927,10 +11927,10 @@
                 <a:solidFill>
                   <a:srgbClr val="FFFFFF"/>
                 </a:solidFill>
-                <a:latin typeface="Lato"/>
-                <a:ea typeface="Lato"/>
-                <a:cs typeface="Lato"/>
-                <a:sym typeface="Lato"/>
+                <a:latin typeface="Times New Roman"/>
+                <a:ea typeface="Times New Roman"/>
+                <a:cs typeface="Times New Roman"/>
+                <a:sym typeface="Times New Roman"/>
               </a:rPr>
               <a:t>	core</a:t>
             </a:r>
@@ -11938,10 +11938,10 @@
               <a:solidFill>
                 <a:srgbClr val="FFFFFF"/>
               </a:solidFill>
-              <a:latin typeface="Lato"/>
-              <a:ea typeface="Lato"/>
-              <a:cs typeface="Lato"/>
-              <a:sym typeface="Lato"/>
+              <a:latin typeface="Times New Roman"/>
+              <a:ea typeface="Times New Roman"/>
+              <a:cs typeface="Times New Roman"/>
+              <a:sym typeface="Times New Roman"/>
             </a:endParaRPr>
           </a:p>
         </p:txBody>
@@ -11985,10 +11985,10 @@
                 <a:solidFill>
                   <a:srgbClr val="FFFFFF"/>
                 </a:solidFill>
-                <a:latin typeface="Lato"/>
-                <a:ea typeface="Lato"/>
-                <a:cs typeface="Lato"/>
-                <a:sym typeface="Lato"/>
+                <a:latin typeface="Times New Roman"/>
+                <a:ea typeface="Times New Roman"/>
+                <a:cs typeface="Times New Roman"/>
+                <a:sym typeface="Times New Roman"/>
               </a:rPr>
               <a:t>2.</a:t>
             </a:r>
@@ -11997,10 +11997,10 @@
                 <a:solidFill>
                   <a:srgbClr val="FFFFFF"/>
                 </a:solidFill>
-                <a:latin typeface="Lato"/>
-                <a:ea typeface="Lato"/>
-                <a:cs typeface="Lato"/>
-                <a:sym typeface="Lato"/>
+                <a:latin typeface="Times New Roman"/>
+                <a:ea typeface="Times New Roman"/>
+                <a:cs typeface="Times New Roman"/>
+                <a:sym typeface="Times New Roman"/>
               </a:rPr>
               <a:t> 	Включение пространства имен cv и </a:t>
             </a:r>
@@ -12009,10 +12009,10 @@
                 <a:solidFill>
                   <a:srgbClr val="FFFFFF"/>
                 </a:solidFill>
-                <a:latin typeface="Lato"/>
-                <a:ea typeface="Lato"/>
-                <a:cs typeface="Lato"/>
-                <a:sym typeface="Lato"/>
+                <a:latin typeface="Times New Roman"/>
+                <a:ea typeface="Times New Roman"/>
+                <a:cs typeface="Times New Roman"/>
+                <a:sym typeface="Times New Roman"/>
               </a:rPr>
             </a:br>
             <a:r>
@@ -12020,10 +12020,10 @@
                 <a:solidFill>
                   <a:srgbClr val="FFFFFF"/>
                 </a:solidFill>
-                <a:latin typeface="Lato"/>
-                <a:ea typeface="Lato"/>
-                <a:cs typeface="Lato"/>
-                <a:sym typeface="Lato"/>
+                <a:latin typeface="Times New Roman"/>
+                <a:ea typeface="Times New Roman"/>
+                <a:cs typeface="Times New Roman"/>
+                <a:sym typeface="Times New Roman"/>
               </a:rPr>
               <a:t>	std</a:t>
             </a:r>
@@ -12031,10 +12031,10 @@
               <a:solidFill>
                 <a:srgbClr val="FFFFFF"/>
               </a:solidFill>
-              <a:latin typeface="Lato"/>
-              <a:ea typeface="Lato"/>
-              <a:cs typeface="Lato"/>
-              <a:sym typeface="Lato"/>
+              <a:latin typeface="Times New Roman"/>
+              <a:ea typeface="Times New Roman"/>
+              <a:cs typeface="Times New Roman"/>
+              <a:sym typeface="Times New Roman"/>
             </a:endParaRPr>
           </a:p>
         </p:txBody>
@@ -12078,10 +12078,10 @@
                 <a:solidFill>
                   <a:srgbClr val="FFFFFF"/>
                 </a:solidFill>
-                <a:latin typeface="Lato"/>
-                <a:ea typeface="Lato"/>
-                <a:cs typeface="Lato"/>
-                <a:sym typeface="Lato"/>
+                <a:latin typeface="Times New Roman"/>
+                <a:ea typeface="Times New Roman"/>
+                <a:cs typeface="Times New Roman"/>
+                <a:sym typeface="Times New Roman"/>
               </a:rPr>
               <a:t>3.</a:t>
             </a:r>
@@ -12090,10 +12090,10 @@
                 <a:solidFill>
                   <a:srgbClr val="FFFFFF"/>
                 </a:solidFill>
-                <a:latin typeface="Lato"/>
-                <a:ea typeface="Lato"/>
-                <a:cs typeface="Lato"/>
-                <a:sym typeface="Lato"/>
+                <a:latin typeface="Times New Roman"/>
+                <a:ea typeface="Times New Roman"/>
+                <a:cs typeface="Times New Roman"/>
+                <a:sym typeface="Times New Roman"/>
               </a:rPr>
               <a:t> 	Создаем объект типа cv::Mat, </a:t>
             </a:r>
@@ -12102,10 +12102,10 @@
                 <a:solidFill>
                   <a:srgbClr val="FFFFFF"/>
                 </a:solidFill>
-                <a:latin typeface="Lato"/>
-                <a:ea typeface="Lato"/>
-                <a:cs typeface="Lato"/>
-                <a:sym typeface="Lato"/>
+                <a:latin typeface="Times New Roman"/>
+                <a:ea typeface="Times New Roman"/>
+                <a:cs typeface="Times New Roman"/>
+                <a:sym typeface="Times New Roman"/>
               </a:rPr>
             </a:br>
             <a:r>
@@ -12113,10 +12113,10 @@
                 <a:solidFill>
                   <a:srgbClr val="FFFFFF"/>
                 </a:solidFill>
-                <a:latin typeface="Lato"/>
-                <a:ea typeface="Lato"/>
-                <a:cs typeface="Lato"/>
-                <a:sym typeface="Lato"/>
+                <a:latin typeface="Times New Roman"/>
+                <a:ea typeface="Times New Roman"/>
+                <a:cs typeface="Times New Roman"/>
+                <a:sym typeface="Times New Roman"/>
               </a:rPr>
               <a:t>	который используется в OpenCV для </a:t>
             </a:r>
@@ -12125,10 +12125,10 @@
                 <a:solidFill>
                   <a:srgbClr val="FFFFFF"/>
                 </a:solidFill>
-                <a:latin typeface="Lato"/>
-                <a:ea typeface="Lato"/>
-                <a:cs typeface="Lato"/>
-                <a:sym typeface="Lato"/>
+                <a:latin typeface="Times New Roman"/>
+                <a:ea typeface="Times New Roman"/>
+                <a:cs typeface="Times New Roman"/>
+                <a:sym typeface="Times New Roman"/>
               </a:rPr>
             </a:br>
             <a:r>
@@ -12136,10 +12136,10 @@
                 <a:solidFill>
                   <a:srgbClr val="FFFFFF"/>
                 </a:solidFill>
-                <a:latin typeface="Lato"/>
-                <a:ea typeface="Lato"/>
-                <a:cs typeface="Lato"/>
-                <a:sym typeface="Lato"/>
+                <a:latin typeface="Times New Roman"/>
+                <a:ea typeface="Times New Roman"/>
+                <a:cs typeface="Times New Roman"/>
+                <a:sym typeface="Times New Roman"/>
               </a:rPr>
               <a:t>	хранения изображений </a:t>
             </a:r>
@@ -12147,10 +12147,10 @@
               <a:solidFill>
                 <a:srgbClr val="FFFFFF"/>
               </a:solidFill>
-              <a:latin typeface="Lato"/>
-              <a:ea typeface="Lato"/>
-              <a:cs typeface="Lato"/>
-              <a:sym typeface="Lato"/>
+              <a:latin typeface="Times New Roman"/>
+              <a:ea typeface="Times New Roman"/>
+              <a:cs typeface="Times New Roman"/>
+              <a:sym typeface="Times New Roman"/>
             </a:endParaRPr>
           </a:p>
         </p:txBody>
@@ -12194,10 +12194,10 @@
                 <a:solidFill>
                   <a:srgbClr val="FFFFFF"/>
                 </a:solidFill>
-                <a:latin typeface="Lato"/>
-                <a:ea typeface="Lato"/>
-                <a:cs typeface="Lato"/>
-                <a:sym typeface="Lato"/>
+                <a:latin typeface="Times New Roman"/>
+                <a:ea typeface="Times New Roman"/>
+                <a:cs typeface="Times New Roman"/>
+                <a:sym typeface="Times New Roman"/>
               </a:rPr>
               <a:t>4.</a:t>
             </a:r>
@@ -12206,10 +12206,10 @@
                 <a:solidFill>
                   <a:srgbClr val="FFFFFF"/>
                 </a:solidFill>
-                <a:latin typeface="Lato"/>
-                <a:ea typeface="Lato"/>
-                <a:cs typeface="Lato"/>
-                <a:sym typeface="Lato"/>
+                <a:latin typeface="Times New Roman"/>
+                <a:ea typeface="Times New Roman"/>
+                <a:cs typeface="Times New Roman"/>
+                <a:sym typeface="Times New Roman"/>
               </a:rPr>
               <a:t> 	Считываем файл lena.jpg в </a:t>
             </a:r>
@@ -12218,10 +12218,10 @@
                 <a:solidFill>
                   <a:srgbClr val="FFFFFF"/>
                 </a:solidFill>
-                <a:latin typeface="Lato"/>
-                <a:ea typeface="Lato"/>
-                <a:cs typeface="Lato"/>
-                <a:sym typeface="Lato"/>
+                <a:latin typeface="Times New Roman"/>
+                <a:ea typeface="Times New Roman"/>
+                <a:cs typeface="Times New Roman"/>
+                <a:sym typeface="Times New Roman"/>
               </a:rPr>
             </a:br>
             <a:r>
@@ -12229,10 +12229,10 @@
                 <a:solidFill>
                   <a:srgbClr val="FFFFFF"/>
                 </a:solidFill>
-                <a:latin typeface="Lato"/>
-                <a:ea typeface="Lato"/>
-                <a:cs typeface="Lato"/>
-                <a:sym typeface="Lato"/>
+                <a:latin typeface="Times New Roman"/>
+                <a:ea typeface="Times New Roman"/>
+                <a:cs typeface="Times New Roman"/>
+                <a:sym typeface="Times New Roman"/>
               </a:rPr>
               <a:t>	созданный ранее объект</a:t>
             </a:r>
@@ -12240,10 +12240,10 @@
               <a:solidFill>
                 <a:srgbClr val="FFFFFF"/>
               </a:solidFill>
-              <a:latin typeface="Lato"/>
-              <a:ea typeface="Lato"/>
-              <a:cs typeface="Lato"/>
-              <a:sym typeface="Lato"/>
+              <a:latin typeface="Times New Roman"/>
+              <a:ea typeface="Times New Roman"/>
+              <a:cs typeface="Times New Roman"/>
+              <a:sym typeface="Times New Roman"/>
             </a:endParaRPr>
           </a:p>
         </p:txBody>
@@ -12287,10 +12287,10 @@
                 <a:solidFill>
                   <a:srgbClr val="FFFFFF"/>
                 </a:solidFill>
-                <a:latin typeface="Lato"/>
-                <a:ea typeface="Lato"/>
-                <a:cs typeface="Lato"/>
-                <a:sym typeface="Lato"/>
+                <a:latin typeface="Times New Roman"/>
+                <a:ea typeface="Times New Roman"/>
+                <a:cs typeface="Times New Roman"/>
+                <a:sym typeface="Times New Roman"/>
               </a:rPr>
               <a:t>5.</a:t>
             </a:r>
@@ -12299,10 +12299,10 @@
                 <a:solidFill>
                   <a:srgbClr val="FFFFFF"/>
                 </a:solidFill>
-                <a:latin typeface="Lato"/>
-                <a:ea typeface="Lato"/>
-                <a:cs typeface="Lato"/>
-                <a:sym typeface="Lato"/>
+                <a:latin typeface="Times New Roman"/>
+                <a:ea typeface="Times New Roman"/>
+                <a:cs typeface="Times New Roman"/>
+                <a:sym typeface="Times New Roman"/>
               </a:rPr>
               <a:t> 	Создаем окно для вывода </a:t>
             </a:r>
@@ -12311,10 +12311,10 @@
                 <a:solidFill>
                   <a:srgbClr val="FFFFFF"/>
                 </a:solidFill>
-                <a:latin typeface="Lato"/>
-                <a:ea typeface="Lato"/>
-                <a:cs typeface="Lato"/>
-                <a:sym typeface="Lato"/>
+                <a:latin typeface="Times New Roman"/>
+                <a:ea typeface="Times New Roman"/>
+                <a:cs typeface="Times New Roman"/>
+                <a:sym typeface="Times New Roman"/>
               </a:rPr>
             </a:br>
             <a:r>
@@ -12322,10 +12322,10 @@
                 <a:solidFill>
                   <a:srgbClr val="FFFFFF"/>
                 </a:solidFill>
-                <a:latin typeface="Lato"/>
-                <a:ea typeface="Lato"/>
-                <a:cs typeface="Lato"/>
-                <a:sym typeface="Lato"/>
+                <a:latin typeface="Times New Roman"/>
+                <a:ea typeface="Times New Roman"/>
+                <a:cs typeface="Times New Roman"/>
+                <a:sym typeface="Times New Roman"/>
               </a:rPr>
               <a:t>	изображения. Первый параметр – </a:t>
             </a:r>
@@ -12334,10 +12334,10 @@
                 <a:solidFill>
                   <a:srgbClr val="FFFFFF"/>
                 </a:solidFill>
-                <a:latin typeface="Lato"/>
-                <a:ea typeface="Lato"/>
-                <a:cs typeface="Lato"/>
-                <a:sym typeface="Lato"/>
+                <a:latin typeface="Times New Roman"/>
+                <a:ea typeface="Times New Roman"/>
+                <a:cs typeface="Times New Roman"/>
+                <a:sym typeface="Times New Roman"/>
               </a:rPr>
             </a:br>
             <a:r>
@@ -12345,10 +12345,10 @@
                 <a:solidFill>
                   <a:srgbClr val="FFFFFF"/>
                 </a:solidFill>
-                <a:latin typeface="Lato"/>
-                <a:ea typeface="Lato"/>
-                <a:cs typeface="Lato"/>
-                <a:sym typeface="Lato"/>
+                <a:latin typeface="Times New Roman"/>
+                <a:ea typeface="Times New Roman"/>
+                <a:cs typeface="Times New Roman"/>
+                <a:sym typeface="Times New Roman"/>
               </a:rPr>
               <a:t>	название окна. Второй –  задает </a:t>
             </a:r>
@@ -12357,10 +12357,10 @@
                 <a:solidFill>
                   <a:srgbClr val="FFFFFF"/>
                 </a:solidFill>
-                <a:latin typeface="Lato"/>
-                <a:ea typeface="Lato"/>
-                <a:cs typeface="Lato"/>
-                <a:sym typeface="Lato"/>
+                <a:latin typeface="Times New Roman"/>
+                <a:ea typeface="Times New Roman"/>
+                <a:cs typeface="Times New Roman"/>
+                <a:sym typeface="Times New Roman"/>
               </a:rPr>
             </a:br>
             <a:r>
@@ -12368,10 +12368,10 @@
                 <a:solidFill>
                   <a:srgbClr val="FFFFFF"/>
                 </a:solidFill>
-                <a:latin typeface="Lato"/>
-                <a:ea typeface="Lato"/>
-                <a:cs typeface="Lato"/>
-                <a:sym typeface="Lato"/>
+                <a:latin typeface="Times New Roman"/>
+                <a:ea typeface="Times New Roman"/>
+                <a:cs typeface="Times New Roman"/>
+                <a:sym typeface="Times New Roman"/>
               </a:rPr>
               <a:t>	размер окна по размеру изображения</a:t>
             </a:r>
@@ -12379,10 +12379,10 @@
               <a:solidFill>
                 <a:srgbClr val="FFFFFF"/>
               </a:solidFill>
-              <a:latin typeface="Lato"/>
-              <a:ea typeface="Lato"/>
-              <a:cs typeface="Lato"/>
-              <a:sym typeface="Lato"/>
+              <a:latin typeface="Times New Roman"/>
+              <a:ea typeface="Times New Roman"/>
+              <a:cs typeface="Times New Roman"/>
+              <a:sym typeface="Times New Roman"/>
             </a:endParaRPr>
           </a:p>
         </p:txBody>
@@ -12454,10 +12454,10 @@
                 <a:solidFill>
                   <a:srgbClr val="FFFFFF"/>
                 </a:solidFill>
-                <a:latin typeface="Lato"/>
-                <a:ea typeface="Lato"/>
-                <a:cs typeface="Lato"/>
-                <a:sym typeface="Lato"/>
+                <a:latin typeface="Times New Roman"/>
+                <a:ea typeface="Times New Roman"/>
+                <a:cs typeface="Times New Roman"/>
+                <a:sym typeface="Times New Roman"/>
               </a:rPr>
               <a:t>6.</a:t>
             </a:r>
@@ -12466,10 +12466,10 @@
                 <a:solidFill>
                   <a:srgbClr val="FFFFFF"/>
                 </a:solidFill>
-                <a:latin typeface="Lato"/>
-                <a:ea typeface="Lato"/>
-                <a:cs typeface="Lato"/>
-                <a:sym typeface="Lato"/>
+                <a:latin typeface="Times New Roman"/>
+                <a:ea typeface="Times New Roman"/>
+                <a:cs typeface="Times New Roman"/>
+                <a:sym typeface="Times New Roman"/>
               </a:rPr>
               <a:t> 	Выводим считанное изображение в </a:t>
             </a:r>
@@ -12478,10 +12478,10 @@
                 <a:solidFill>
                   <a:srgbClr val="FFFFFF"/>
                 </a:solidFill>
-                <a:latin typeface="Lato"/>
-                <a:ea typeface="Lato"/>
-                <a:cs typeface="Lato"/>
-                <a:sym typeface="Lato"/>
+                <a:latin typeface="Times New Roman"/>
+                <a:ea typeface="Times New Roman"/>
+                <a:cs typeface="Times New Roman"/>
+                <a:sym typeface="Times New Roman"/>
               </a:rPr>
             </a:br>
             <a:r>
@@ -12489,10 +12489,10 @@
                 <a:solidFill>
                   <a:srgbClr val="FFFFFF"/>
                 </a:solidFill>
-                <a:latin typeface="Lato"/>
-                <a:ea typeface="Lato"/>
-                <a:cs typeface="Lato"/>
-                <a:sym typeface="Lato"/>
+                <a:latin typeface="Times New Roman"/>
+                <a:ea typeface="Times New Roman"/>
+                <a:cs typeface="Times New Roman"/>
+                <a:sym typeface="Times New Roman"/>
               </a:rPr>
               <a:t>	созданное окно</a:t>
             </a:r>
@@ -12500,10 +12500,10 @@
               <a:solidFill>
                 <a:srgbClr val="FFFFFF"/>
               </a:solidFill>
-              <a:latin typeface="Lato"/>
-              <a:ea typeface="Lato"/>
-              <a:cs typeface="Lato"/>
-              <a:sym typeface="Lato"/>
+              <a:latin typeface="Times New Roman"/>
+              <a:ea typeface="Times New Roman"/>
+              <a:cs typeface="Times New Roman"/>
+              <a:sym typeface="Times New Roman"/>
             </a:endParaRPr>
           </a:p>
         </p:txBody>
@@ -12547,10 +12547,10 @@
                 <a:solidFill>
                   <a:srgbClr val="FFFFFF"/>
                 </a:solidFill>
-                <a:latin typeface="Lato"/>
-                <a:ea typeface="Lato"/>
-                <a:cs typeface="Lato"/>
-                <a:sym typeface="Lato"/>
+                <a:latin typeface="Times New Roman"/>
+                <a:ea typeface="Times New Roman"/>
+                <a:cs typeface="Times New Roman"/>
+                <a:sym typeface="Times New Roman"/>
               </a:rPr>
               <a:t>7</a:t>
             </a:r>
@@ -12559,10 +12559,10 @@
                 <a:solidFill>
                   <a:srgbClr val="FFFFFF"/>
                 </a:solidFill>
-                <a:latin typeface="Lato"/>
-                <a:ea typeface="Lato"/>
-                <a:cs typeface="Lato"/>
-                <a:sym typeface="Lato"/>
+                <a:latin typeface="Times New Roman"/>
+                <a:ea typeface="Times New Roman"/>
+                <a:cs typeface="Times New Roman"/>
+                <a:sym typeface="Times New Roman"/>
               </a:rPr>
               <a:t>. 	Ожидаем нажатия клавиши</a:t>
             </a:r>
@@ -12570,10 +12570,10 @@
               <a:solidFill>
                 <a:srgbClr val="FFFFFF"/>
               </a:solidFill>
-              <a:latin typeface="Lato"/>
-              <a:ea typeface="Lato"/>
-              <a:cs typeface="Lato"/>
-              <a:sym typeface="Lato"/>
+              <a:latin typeface="Times New Roman"/>
+              <a:ea typeface="Times New Roman"/>
+              <a:cs typeface="Times New Roman"/>
+              <a:sym typeface="Times New Roman"/>
             </a:endParaRPr>
           </a:p>
         </p:txBody>
@@ -12864,10 +12864,10 @@
                 <a:solidFill>
                   <a:srgbClr val="FFFFFF"/>
                 </a:solidFill>
-                <a:latin typeface="Lato"/>
-                <a:ea typeface="Lato"/>
-                <a:cs typeface="Lato"/>
-                <a:sym typeface="Lato"/>
+                <a:latin typeface="Times New Roman"/>
+                <a:ea typeface="Times New Roman"/>
+                <a:cs typeface="Times New Roman"/>
+                <a:sym typeface="Times New Roman"/>
               </a:rPr>
               <a:t>1. 	Подключаем модули highgui и </a:t>
             </a:r>
@@ -12876,10 +12876,10 @@
                 <a:solidFill>
                   <a:srgbClr val="FFFFFF"/>
                 </a:solidFill>
-                <a:latin typeface="Lato"/>
-                <a:ea typeface="Lato"/>
-                <a:cs typeface="Lato"/>
-                <a:sym typeface="Lato"/>
+                <a:latin typeface="Times New Roman"/>
+                <a:ea typeface="Times New Roman"/>
+                <a:cs typeface="Times New Roman"/>
+                <a:sym typeface="Times New Roman"/>
               </a:rPr>
             </a:br>
             <a:r>
@@ -12887,10 +12887,10 @@
                 <a:solidFill>
                   <a:srgbClr val="FFFFFF"/>
                 </a:solidFill>
-                <a:latin typeface="Lato"/>
-                <a:ea typeface="Lato"/>
-                <a:cs typeface="Lato"/>
-                <a:sym typeface="Lato"/>
+                <a:latin typeface="Times New Roman"/>
+                <a:ea typeface="Times New Roman"/>
+                <a:cs typeface="Times New Roman"/>
+                <a:sym typeface="Times New Roman"/>
               </a:rPr>
               <a:t>	core и </a:t>
             </a:r>
@@ -12899,10 +12899,10 @@
                 <a:solidFill>
                   <a:srgbClr val="FFFFFF"/>
                 </a:solidFill>
-                <a:latin typeface="Lato"/>
-                <a:ea typeface="Lato"/>
-                <a:cs typeface="Lato"/>
-                <a:sym typeface="Lato"/>
+                <a:latin typeface="Times New Roman"/>
+                <a:ea typeface="Times New Roman"/>
+                <a:cs typeface="Times New Roman"/>
+                <a:sym typeface="Times New Roman"/>
               </a:rPr>
               <a:t>imgproc</a:t>
             </a:r>
@@ -12910,10 +12910,10 @@
               <a:solidFill>
                 <a:srgbClr val="FFFFFF"/>
               </a:solidFill>
-              <a:latin typeface="Lato"/>
-              <a:ea typeface="Lato"/>
-              <a:cs typeface="Lato"/>
-              <a:sym typeface="Lato"/>
+              <a:latin typeface="Times New Roman"/>
+              <a:ea typeface="Times New Roman"/>
+              <a:cs typeface="Times New Roman"/>
+              <a:sym typeface="Times New Roman"/>
             </a:endParaRPr>
           </a:p>
         </p:txBody>
@@ -12957,10 +12957,10 @@
                 <a:solidFill>
                   <a:srgbClr val="FFFFFF"/>
                 </a:solidFill>
-                <a:latin typeface="Lato"/>
-                <a:ea typeface="Lato"/>
-                <a:cs typeface="Lato"/>
-                <a:sym typeface="Lato"/>
+                <a:latin typeface="Times New Roman"/>
+                <a:ea typeface="Times New Roman"/>
+                <a:cs typeface="Times New Roman"/>
+                <a:sym typeface="Times New Roman"/>
               </a:rPr>
               <a:t>2. 	Включение пространства имен cv и </a:t>
             </a:r>
@@ -12969,10 +12969,10 @@
                 <a:solidFill>
                   <a:srgbClr val="FFFFFF"/>
                 </a:solidFill>
-                <a:latin typeface="Lato"/>
-                <a:ea typeface="Lato"/>
-                <a:cs typeface="Lato"/>
-                <a:sym typeface="Lato"/>
+                <a:latin typeface="Times New Roman"/>
+                <a:ea typeface="Times New Roman"/>
+                <a:cs typeface="Times New Roman"/>
+                <a:sym typeface="Times New Roman"/>
               </a:rPr>
             </a:br>
             <a:r>
@@ -12980,10 +12980,10 @@
                 <a:solidFill>
                   <a:srgbClr val="FFFFFF"/>
                 </a:solidFill>
-                <a:latin typeface="Lato"/>
-                <a:ea typeface="Lato"/>
-                <a:cs typeface="Lato"/>
-                <a:sym typeface="Lato"/>
+                <a:latin typeface="Times New Roman"/>
+                <a:ea typeface="Times New Roman"/>
+                <a:cs typeface="Times New Roman"/>
+                <a:sym typeface="Times New Roman"/>
               </a:rPr>
               <a:t>	std</a:t>
             </a:r>
@@ -12991,10 +12991,10 @@
               <a:solidFill>
                 <a:srgbClr val="FFFFFF"/>
               </a:solidFill>
-              <a:latin typeface="Lato"/>
-              <a:ea typeface="Lato"/>
-              <a:cs typeface="Lato"/>
-              <a:sym typeface="Lato"/>
+              <a:latin typeface="Times New Roman"/>
+              <a:ea typeface="Times New Roman"/>
+              <a:cs typeface="Times New Roman"/>
+              <a:sym typeface="Times New Roman"/>
             </a:endParaRPr>
           </a:p>
         </p:txBody>
@@ -13038,10 +13038,10 @@
                 <a:solidFill>
                   <a:srgbClr val="FFFFFF"/>
                 </a:solidFill>
-                <a:latin typeface="Lato"/>
-                <a:ea typeface="Lato"/>
-                <a:cs typeface="Lato"/>
-                <a:sym typeface="Lato"/>
+                <a:latin typeface="Times New Roman"/>
+                <a:ea typeface="Times New Roman"/>
+                <a:cs typeface="Times New Roman"/>
+                <a:sym typeface="Times New Roman"/>
               </a:rPr>
               <a:t>3. 	Создаем 3 объекта типа cv::Mat, </a:t>
             </a:r>
@@ -13050,10 +13050,10 @@
                 <a:solidFill>
                   <a:srgbClr val="FFFFFF"/>
                 </a:solidFill>
-                <a:latin typeface="Lato"/>
-                <a:ea typeface="Lato"/>
-                <a:cs typeface="Lato"/>
-                <a:sym typeface="Lato"/>
+                <a:latin typeface="Times New Roman"/>
+                <a:ea typeface="Times New Roman"/>
+                <a:cs typeface="Times New Roman"/>
+                <a:sym typeface="Times New Roman"/>
               </a:rPr>
             </a:br>
             <a:r>
@@ -13061,10 +13061,10 @@
                 <a:solidFill>
                   <a:srgbClr val="FFFFFF"/>
                 </a:solidFill>
-                <a:latin typeface="Lato"/>
-                <a:ea typeface="Lato"/>
-                <a:cs typeface="Lato"/>
-                <a:sym typeface="Lato"/>
+                <a:latin typeface="Times New Roman"/>
+                <a:ea typeface="Times New Roman"/>
+                <a:cs typeface="Times New Roman"/>
+                <a:sym typeface="Times New Roman"/>
               </a:rPr>
               <a:t>	оригинал, масштабированный, </a:t>
             </a:r>
@@ -13073,10 +13073,10 @@
                 <a:solidFill>
                   <a:srgbClr val="FFFFFF"/>
                 </a:solidFill>
-                <a:latin typeface="Lato"/>
-                <a:ea typeface="Lato"/>
-                <a:cs typeface="Lato"/>
-                <a:sym typeface="Lato"/>
+                <a:latin typeface="Times New Roman"/>
+                <a:ea typeface="Times New Roman"/>
+                <a:cs typeface="Times New Roman"/>
+                <a:sym typeface="Times New Roman"/>
               </a:rPr>
             </a:br>
             <a:r>
@@ -13084,10 +13084,10 @@
                 <a:solidFill>
                   <a:srgbClr val="FFFFFF"/>
                 </a:solidFill>
-                <a:latin typeface="Lato"/>
-                <a:ea typeface="Lato"/>
-                <a:cs typeface="Lato"/>
-                <a:sym typeface="Lato"/>
+                <a:latin typeface="Times New Roman"/>
+                <a:ea typeface="Times New Roman"/>
+                <a:cs typeface="Times New Roman"/>
+                <a:sym typeface="Times New Roman"/>
               </a:rPr>
               <a:t>	сохраненный</a:t>
             </a:r>
@@ -13095,10 +13095,10 @@
               <a:solidFill>
                 <a:srgbClr val="FFFFFF"/>
               </a:solidFill>
-              <a:latin typeface="Lato"/>
-              <a:ea typeface="Lato"/>
-              <a:cs typeface="Lato"/>
-              <a:sym typeface="Lato"/>
+              <a:latin typeface="Times New Roman"/>
+              <a:ea typeface="Times New Roman"/>
+              <a:cs typeface="Times New Roman"/>
+              <a:sym typeface="Times New Roman"/>
             </a:endParaRPr>
           </a:p>
         </p:txBody>
@@ -13142,10 +13142,10 @@
                 <a:solidFill>
                   <a:srgbClr val="FFFFFF"/>
                 </a:solidFill>
-                <a:latin typeface="Lato"/>
-                <a:ea typeface="Lato"/>
-                <a:cs typeface="Lato"/>
-                <a:sym typeface="Lato"/>
+                <a:latin typeface="Times New Roman"/>
+                <a:ea typeface="Times New Roman"/>
+                <a:cs typeface="Times New Roman"/>
+                <a:sym typeface="Times New Roman"/>
               </a:rPr>
               <a:t>4. 	Считываем файл lena.jpg в </a:t>
             </a:r>
@@ -13154,10 +13154,10 @@
                 <a:solidFill>
                   <a:srgbClr val="FFFFFF"/>
                 </a:solidFill>
-                <a:latin typeface="Lato"/>
-                <a:ea typeface="Lato"/>
-                <a:cs typeface="Lato"/>
-                <a:sym typeface="Lato"/>
+                <a:latin typeface="Times New Roman"/>
+                <a:ea typeface="Times New Roman"/>
+                <a:cs typeface="Times New Roman"/>
+                <a:sym typeface="Times New Roman"/>
               </a:rPr>
             </a:br>
             <a:r>
@@ -13165,10 +13165,10 @@
                 <a:solidFill>
                   <a:srgbClr val="FFFFFF"/>
                 </a:solidFill>
-                <a:latin typeface="Lato"/>
-                <a:ea typeface="Lato"/>
-                <a:cs typeface="Lato"/>
-                <a:sym typeface="Lato"/>
+                <a:latin typeface="Times New Roman"/>
+                <a:ea typeface="Times New Roman"/>
+                <a:cs typeface="Times New Roman"/>
+                <a:sym typeface="Times New Roman"/>
               </a:rPr>
               <a:t>	оригинал и выводим на экран</a:t>
             </a:r>
@@ -13176,10 +13176,10 @@
               <a:solidFill>
                 <a:srgbClr val="FFFFFF"/>
               </a:solidFill>
-              <a:latin typeface="Lato"/>
-              <a:ea typeface="Lato"/>
-              <a:cs typeface="Lato"/>
-              <a:sym typeface="Lato"/>
+              <a:latin typeface="Times New Roman"/>
+              <a:ea typeface="Times New Roman"/>
+              <a:cs typeface="Times New Roman"/>
+              <a:sym typeface="Times New Roman"/>
             </a:endParaRPr>
           </a:p>
         </p:txBody>
@@ -13223,10 +13223,10 @@
                 <a:solidFill>
                   <a:srgbClr val="FFFFFF"/>
                 </a:solidFill>
-                <a:latin typeface="Lato"/>
-                <a:ea typeface="Lato"/>
-                <a:cs typeface="Lato"/>
-                <a:sym typeface="Lato"/>
+                <a:latin typeface="Times New Roman"/>
+                <a:ea typeface="Times New Roman"/>
+                <a:cs typeface="Times New Roman"/>
+                <a:sym typeface="Times New Roman"/>
               </a:rPr>
               <a:t>5. 	Масштабируем (уменьшаем в 4 раза) </a:t>
             </a:r>
@@ -13235,10 +13235,10 @@
                 <a:solidFill>
                   <a:srgbClr val="FFFFFF"/>
                 </a:solidFill>
-                <a:latin typeface="Lato"/>
-                <a:ea typeface="Lato"/>
-                <a:cs typeface="Lato"/>
-                <a:sym typeface="Lato"/>
+                <a:latin typeface="Times New Roman"/>
+                <a:ea typeface="Times New Roman"/>
+                <a:cs typeface="Times New Roman"/>
+                <a:sym typeface="Times New Roman"/>
               </a:rPr>
             </a:br>
             <a:r>
@@ -13246,10 +13246,10 @@
                 <a:solidFill>
                   <a:srgbClr val="FFFFFF"/>
                 </a:solidFill>
-                <a:latin typeface="Lato"/>
-                <a:ea typeface="Lato"/>
-                <a:cs typeface="Lato"/>
-                <a:sym typeface="Lato"/>
+                <a:latin typeface="Times New Roman"/>
+                <a:ea typeface="Times New Roman"/>
+                <a:cs typeface="Times New Roman"/>
+                <a:sym typeface="Times New Roman"/>
               </a:rPr>
               <a:t>	и выводим результат на экран</a:t>
             </a:r>
@@ -13257,10 +13257,10 @@
               <a:solidFill>
                 <a:srgbClr val="FFFFFF"/>
               </a:solidFill>
-              <a:latin typeface="Lato"/>
-              <a:ea typeface="Lato"/>
-              <a:cs typeface="Lato"/>
-              <a:sym typeface="Lato"/>
+              <a:latin typeface="Times New Roman"/>
+              <a:ea typeface="Times New Roman"/>
+              <a:cs typeface="Times New Roman"/>
+              <a:sym typeface="Times New Roman"/>
             </a:endParaRPr>
           </a:p>
         </p:txBody>
@@ -13304,10 +13304,10 @@
                 <a:solidFill>
                   <a:srgbClr val="FFFFFF"/>
                 </a:solidFill>
-                <a:latin typeface="Lato"/>
-                <a:ea typeface="Lato"/>
-                <a:cs typeface="Lato"/>
-                <a:sym typeface="Lato"/>
+                <a:latin typeface="Times New Roman"/>
+                <a:ea typeface="Times New Roman"/>
+                <a:cs typeface="Times New Roman"/>
+                <a:sym typeface="Times New Roman"/>
               </a:rPr>
               <a:t>6. 	Сохраняем уменьшенное </a:t>
             </a:r>
@@ -13316,10 +13316,10 @@
                 <a:solidFill>
                   <a:srgbClr val="FFFFFF"/>
                 </a:solidFill>
-                <a:latin typeface="Lato"/>
-                <a:ea typeface="Lato"/>
-                <a:cs typeface="Lato"/>
-                <a:sym typeface="Lato"/>
+                <a:latin typeface="Times New Roman"/>
+                <a:ea typeface="Times New Roman"/>
+                <a:cs typeface="Times New Roman"/>
+                <a:sym typeface="Times New Roman"/>
               </a:rPr>
             </a:br>
             <a:r>
@@ -13327,10 +13327,10 @@
                 <a:solidFill>
                   <a:srgbClr val="FFFFFF"/>
                 </a:solidFill>
-                <a:latin typeface="Lato"/>
-                <a:ea typeface="Lato"/>
-                <a:cs typeface="Lato"/>
-                <a:sym typeface="Lato"/>
+                <a:latin typeface="Times New Roman"/>
+                <a:ea typeface="Times New Roman"/>
+                <a:cs typeface="Times New Roman"/>
+                <a:sym typeface="Times New Roman"/>
               </a:rPr>
               <a:t>	изображение в файл saved.png, а так </a:t>
             </a:r>
@@ -13339,10 +13339,10 @@
                 <a:solidFill>
                   <a:srgbClr val="FFFFFF"/>
                 </a:solidFill>
-                <a:latin typeface="Lato"/>
-                <a:ea typeface="Lato"/>
-                <a:cs typeface="Lato"/>
-                <a:sym typeface="Lato"/>
+                <a:latin typeface="Times New Roman"/>
+                <a:ea typeface="Times New Roman"/>
+                <a:cs typeface="Times New Roman"/>
+                <a:sym typeface="Times New Roman"/>
               </a:rPr>
             </a:br>
             <a:r>
@@ -13350,10 +13350,10 @@
                 <a:solidFill>
                   <a:srgbClr val="FFFFFF"/>
                 </a:solidFill>
-                <a:latin typeface="Lato"/>
-                <a:ea typeface="Lato"/>
-                <a:cs typeface="Lato"/>
-                <a:sym typeface="Lato"/>
+                <a:latin typeface="Times New Roman"/>
+                <a:ea typeface="Times New Roman"/>
+                <a:cs typeface="Times New Roman"/>
+                <a:sym typeface="Times New Roman"/>
               </a:rPr>
               <a:t>	же выводим на экран</a:t>
             </a:r>
@@ -13361,10 +13361,10 @@
               <a:solidFill>
                 <a:srgbClr val="FFFFFF"/>
               </a:solidFill>
-              <a:latin typeface="Lato"/>
-              <a:ea typeface="Lato"/>
-              <a:cs typeface="Lato"/>
-              <a:sym typeface="Lato"/>
+              <a:latin typeface="Times New Roman"/>
+              <a:ea typeface="Times New Roman"/>
+              <a:cs typeface="Times New Roman"/>
+              <a:sym typeface="Times New Roman"/>
             </a:endParaRPr>
           </a:p>
         </p:txBody>
@@ -13408,10 +13408,10 @@
                 <a:solidFill>
                   <a:srgbClr val="FFFFFF"/>
                 </a:solidFill>
-                <a:latin typeface="Lato"/>
-                <a:ea typeface="Lato"/>
-                <a:cs typeface="Lato"/>
-                <a:sym typeface="Lato"/>
+                <a:latin typeface="Times New Roman"/>
+                <a:ea typeface="Times New Roman"/>
+                <a:cs typeface="Times New Roman"/>
+                <a:sym typeface="Times New Roman"/>
               </a:rPr>
               <a:t>7. 	Ожидаем нажатия клавиши</a:t>
             </a:r>
@@ -13419,10 +13419,10 @@
               <a:solidFill>
                 <a:srgbClr val="FFFFFF"/>
               </a:solidFill>
-              <a:latin typeface="Lato"/>
-              <a:ea typeface="Lato"/>
-              <a:cs typeface="Lato"/>
-              <a:sym typeface="Lato"/>
+              <a:latin typeface="Times New Roman"/>
+              <a:ea typeface="Times New Roman"/>
+              <a:cs typeface="Times New Roman"/>
+              <a:sym typeface="Times New Roman"/>
             </a:endParaRPr>
           </a:p>
         </p:txBody>
@@ -14661,17 +14661,37 @@
               <a:buNone/>
             </a:pPr>
             <a:r>
-              <a:rPr lang="ru" sz="1600"/>
+              <a:rPr lang="ru" sz="1600">
+                <a:latin typeface="Times New Roman"/>
+                <a:ea typeface="Times New Roman"/>
+                <a:cs typeface="Times New Roman"/>
+                <a:sym typeface="Times New Roman"/>
+              </a:rPr>
               <a:t>Организация. Краткий обзор курса </a:t>
             </a:r>
             <a:br>
-              <a:rPr lang="ru" sz="1600"/>
+              <a:rPr lang="ru" sz="1600">
+                <a:latin typeface="Times New Roman"/>
+                <a:ea typeface="Times New Roman"/>
+                <a:cs typeface="Times New Roman"/>
+                <a:sym typeface="Times New Roman"/>
+              </a:rPr>
             </a:br>
             <a:r>
-              <a:rPr lang="ru" sz="1600"/>
+              <a:rPr lang="ru" sz="1600">
+                <a:latin typeface="Times New Roman"/>
+                <a:ea typeface="Times New Roman"/>
+                <a:cs typeface="Times New Roman"/>
+                <a:sym typeface="Times New Roman"/>
+              </a:rPr>
               <a:t>(1 занятие)</a:t>
             </a:r>
-            <a:endParaRPr sz="1600"/>
+            <a:endParaRPr sz="1600">
+              <a:latin typeface="Times New Roman"/>
+              <a:ea typeface="Times New Roman"/>
+              <a:cs typeface="Times New Roman"/>
+              <a:sym typeface="Times New Roman"/>
+            </a:endParaRPr>
           </a:p>
         </p:txBody>
       </p:sp>
@@ -14890,17 +14910,37 @@
               <a:buNone/>
             </a:pPr>
             <a:r>
-              <a:rPr lang="ru" sz="1600"/>
+              <a:rPr lang="ru" sz="1600">
+                <a:latin typeface="Times New Roman"/>
+                <a:ea typeface="Times New Roman"/>
+                <a:cs typeface="Times New Roman"/>
+                <a:sym typeface="Times New Roman"/>
+              </a:rPr>
               <a:t>Знакомство с функционалом библиотеки </a:t>
             </a:r>
             <a:br>
-              <a:rPr lang="ru" sz="1600"/>
+              <a:rPr lang="ru" sz="1600">
+                <a:latin typeface="Times New Roman"/>
+                <a:ea typeface="Times New Roman"/>
+                <a:cs typeface="Times New Roman"/>
+                <a:sym typeface="Times New Roman"/>
+              </a:rPr>
             </a:br>
             <a:r>
-              <a:rPr lang="ru" sz="1600"/>
+              <a:rPr lang="ru" sz="1600">
+                <a:latin typeface="Times New Roman"/>
+                <a:ea typeface="Times New Roman"/>
+                <a:cs typeface="Times New Roman"/>
+                <a:sym typeface="Times New Roman"/>
+              </a:rPr>
               <a:t>(от 2 занятий)</a:t>
             </a:r>
-            <a:endParaRPr sz="1600"/>
+            <a:endParaRPr sz="1600">
+              <a:latin typeface="Times New Roman"/>
+              <a:ea typeface="Times New Roman"/>
+              <a:cs typeface="Times New Roman"/>
+              <a:sym typeface="Times New Roman"/>
+            </a:endParaRPr>
           </a:p>
           <a:p>
             <a:pPr indent="0" lvl="0" marL="0" rtl="0" algn="l">
@@ -14915,7 +14955,12 @@
             <a:r>
               <a:t/>
             </a:r>
-            <a:endParaRPr sz="1600"/>
+            <a:endParaRPr sz="1600">
+              <a:latin typeface="Times New Roman"/>
+              <a:ea typeface="Times New Roman"/>
+              <a:cs typeface="Times New Roman"/>
+              <a:sym typeface="Times New Roman"/>
+            </a:endParaRPr>
           </a:p>
         </p:txBody>
       </p:sp>
@@ -15134,17 +15179,37 @@
               <a:buNone/>
             </a:pPr>
             <a:r>
-              <a:rPr lang="ru" sz="1600"/>
+              <a:rPr lang="ru" sz="1600">
+                <a:latin typeface="Times New Roman"/>
+                <a:ea typeface="Times New Roman"/>
+                <a:cs typeface="Times New Roman"/>
+                <a:sym typeface="Times New Roman"/>
+              </a:rPr>
               <a:t>Поверхностное знакомство с низкоуровневыми алгоритмами</a:t>
             </a:r>
             <a:br>
-              <a:rPr lang="ru" sz="1600"/>
+              <a:rPr lang="ru" sz="1600">
+                <a:latin typeface="Times New Roman"/>
+                <a:ea typeface="Times New Roman"/>
+                <a:cs typeface="Times New Roman"/>
+                <a:sym typeface="Times New Roman"/>
+              </a:rPr>
             </a:br>
             <a:r>
-              <a:rPr lang="ru" sz="1600"/>
+              <a:rPr lang="ru" sz="1600">
+                <a:latin typeface="Times New Roman"/>
+                <a:ea typeface="Times New Roman"/>
+                <a:cs typeface="Times New Roman"/>
+                <a:sym typeface="Times New Roman"/>
+              </a:rPr>
               <a:t>(от 3 занятий)</a:t>
             </a:r>
-            <a:endParaRPr sz="1600"/>
+            <a:endParaRPr sz="1600">
+              <a:latin typeface="Times New Roman"/>
+              <a:ea typeface="Times New Roman"/>
+              <a:cs typeface="Times New Roman"/>
+              <a:sym typeface="Times New Roman"/>
+            </a:endParaRPr>
           </a:p>
           <a:p>
             <a:pPr indent="0" lvl="0" marL="0" rtl="0" algn="l">
@@ -15159,7 +15224,12 @@
             <a:r>
               <a:t/>
             </a:r>
-            <a:endParaRPr sz="1600"/>
+            <a:endParaRPr sz="1600">
+              <a:latin typeface="Times New Roman"/>
+              <a:ea typeface="Times New Roman"/>
+              <a:cs typeface="Times New Roman"/>
+              <a:sym typeface="Times New Roman"/>
+            </a:endParaRPr>
           </a:p>
         </p:txBody>
       </p:sp>
@@ -15378,17 +15448,37 @@
               <a:buNone/>
             </a:pPr>
             <a:r>
-              <a:rPr lang="ru" sz="1600"/>
+              <a:rPr lang="ru" sz="1600">
+                <a:latin typeface="Times New Roman"/>
+                <a:ea typeface="Times New Roman"/>
+                <a:cs typeface="Times New Roman"/>
+                <a:sym typeface="Times New Roman"/>
+              </a:rPr>
               <a:t>Теория по нейронным сетям. Ознакомление с другими методами ML</a:t>
             </a:r>
             <a:br>
-              <a:rPr lang="ru" sz="1600"/>
+              <a:rPr lang="ru" sz="1600">
+                <a:latin typeface="Times New Roman"/>
+                <a:ea typeface="Times New Roman"/>
+                <a:cs typeface="Times New Roman"/>
+                <a:sym typeface="Times New Roman"/>
+              </a:rPr>
             </a:br>
             <a:r>
-              <a:rPr lang="ru" sz="1600"/>
+              <a:rPr lang="ru" sz="1600">
+                <a:latin typeface="Times New Roman"/>
+                <a:ea typeface="Times New Roman"/>
+                <a:cs typeface="Times New Roman"/>
+                <a:sym typeface="Times New Roman"/>
+              </a:rPr>
               <a:t>(1-2 занятия)</a:t>
             </a:r>
-            <a:endParaRPr sz="1600"/>
+            <a:endParaRPr sz="1600">
+              <a:latin typeface="Times New Roman"/>
+              <a:ea typeface="Times New Roman"/>
+              <a:cs typeface="Times New Roman"/>
+              <a:sym typeface="Times New Roman"/>
+            </a:endParaRPr>
           </a:p>
           <a:p>
             <a:pPr indent="0" lvl="0" marL="0" rtl="0" algn="l">
@@ -15403,7 +15493,12 @@
             <a:r>
               <a:t/>
             </a:r>
-            <a:endParaRPr sz="1600"/>
+            <a:endParaRPr sz="1600">
+              <a:latin typeface="Times New Roman"/>
+              <a:ea typeface="Times New Roman"/>
+              <a:cs typeface="Times New Roman"/>
+              <a:sym typeface="Times New Roman"/>
+            </a:endParaRPr>
           </a:p>
         </p:txBody>
       </p:sp>
@@ -15622,17 +15717,37 @@
               <a:buNone/>
             </a:pPr>
             <a:r>
-              <a:rPr lang="ru" sz="1600"/>
+              <a:rPr lang="ru" sz="1600">
+                <a:latin typeface="Times New Roman"/>
+                <a:ea typeface="Times New Roman"/>
+                <a:cs typeface="Times New Roman"/>
+                <a:sym typeface="Times New Roman"/>
+              </a:rPr>
               <a:t>Знакомство с фрэймворком машинного обучения</a:t>
             </a:r>
             <a:br>
-              <a:rPr lang="ru" sz="1600"/>
+              <a:rPr lang="ru" sz="1600">
+                <a:latin typeface="Times New Roman"/>
+                <a:ea typeface="Times New Roman"/>
+                <a:cs typeface="Times New Roman"/>
+                <a:sym typeface="Times New Roman"/>
+              </a:rPr>
             </a:br>
             <a:r>
-              <a:rPr lang="ru" sz="1600"/>
+              <a:rPr lang="ru" sz="1600">
+                <a:latin typeface="Times New Roman"/>
+                <a:ea typeface="Times New Roman"/>
+                <a:cs typeface="Times New Roman"/>
+                <a:sym typeface="Times New Roman"/>
+              </a:rPr>
               <a:t>(Бесконечность)</a:t>
             </a:r>
-            <a:endParaRPr sz="1600"/>
+            <a:endParaRPr sz="1600">
+              <a:latin typeface="Times New Roman"/>
+              <a:ea typeface="Times New Roman"/>
+              <a:cs typeface="Times New Roman"/>
+              <a:sym typeface="Times New Roman"/>
+            </a:endParaRPr>
           </a:p>
           <a:p>
             <a:pPr indent="0" lvl="0" marL="0" rtl="0" algn="l">
@@ -15647,7 +15762,12 @@
             <a:r>
               <a:t/>
             </a:r>
-            <a:endParaRPr sz="1600"/>
+            <a:endParaRPr sz="1600">
+              <a:latin typeface="Times New Roman"/>
+              <a:ea typeface="Times New Roman"/>
+              <a:cs typeface="Times New Roman"/>
+              <a:sym typeface="Times New Roman"/>
+            </a:endParaRPr>
           </a:p>
         </p:txBody>
       </p:sp>
@@ -15747,13 +15867,24 @@
                 <a:spcPts val="0"/>
               </a:spcAft>
               <a:buSzPts val="1800"/>
+              <a:buFont typeface="Times New Roman"/>
               <a:buChar char="●"/>
             </a:pPr>
             <a:r>
-              <a:rPr lang="ru" sz="1800"/>
+              <a:rPr lang="ru" sz="1800">
+                <a:latin typeface="Times New Roman"/>
+                <a:ea typeface="Times New Roman"/>
+                <a:cs typeface="Times New Roman"/>
+                <a:sym typeface="Times New Roman"/>
+              </a:rPr>
               <a:t>Кратко о библиотеке OpenCV</a:t>
             </a:r>
-            <a:endParaRPr sz="1800"/>
+            <a:endParaRPr sz="1800">
+              <a:latin typeface="Times New Roman"/>
+              <a:ea typeface="Times New Roman"/>
+              <a:cs typeface="Times New Roman"/>
+              <a:sym typeface="Times New Roman"/>
+            </a:endParaRPr>
           </a:p>
           <a:p>
             <a:pPr indent="-342900" lvl="0" marL="914400" rtl="0" algn="l">
@@ -15764,13 +15895,24 @@
                 <a:spcPts val="0"/>
               </a:spcAft>
               <a:buSzPts val="1800"/>
+              <a:buFont typeface="Times New Roman"/>
               <a:buChar char="●"/>
             </a:pPr>
             <a:r>
-              <a:rPr lang="ru" sz="1800"/>
+              <a:rPr lang="ru" sz="1800">
+                <a:latin typeface="Times New Roman"/>
+                <a:ea typeface="Times New Roman"/>
+                <a:cs typeface="Times New Roman"/>
+                <a:sym typeface="Times New Roman"/>
+              </a:rPr>
               <a:t>Обзор базовых модулей</a:t>
             </a:r>
-            <a:endParaRPr sz="1800"/>
+            <a:endParaRPr sz="1800">
+              <a:latin typeface="Times New Roman"/>
+              <a:ea typeface="Times New Roman"/>
+              <a:cs typeface="Times New Roman"/>
+              <a:sym typeface="Times New Roman"/>
+            </a:endParaRPr>
           </a:p>
           <a:p>
             <a:pPr indent="-342900" lvl="0" marL="914400" rtl="0" algn="l">
@@ -15781,13 +15923,24 @@
                 <a:spcPts val="0"/>
               </a:spcAft>
               <a:buSzPts val="1800"/>
+              <a:buFont typeface="Times New Roman"/>
               <a:buChar char="●"/>
             </a:pPr>
             <a:r>
-              <a:rPr lang="ru" sz="1800"/>
+              <a:rPr lang="ru" sz="1800">
+                <a:latin typeface="Times New Roman"/>
+                <a:ea typeface="Times New Roman"/>
+                <a:cs typeface="Times New Roman"/>
+                <a:sym typeface="Times New Roman"/>
+              </a:rPr>
               <a:t>Практика</a:t>
             </a:r>
-            <a:endParaRPr sz="1800"/>
+            <a:endParaRPr sz="1800">
+              <a:latin typeface="Times New Roman"/>
+              <a:ea typeface="Times New Roman"/>
+              <a:cs typeface="Times New Roman"/>
+              <a:sym typeface="Times New Roman"/>
+            </a:endParaRPr>
           </a:p>
           <a:p>
             <a:pPr indent="-342900" lvl="0" marL="914400" rtl="0" algn="l">
@@ -15798,13 +15951,24 @@
                 <a:spcPts val="1600"/>
               </a:spcAft>
               <a:buSzPts val="1800"/>
+              <a:buFont typeface="Times New Roman"/>
               <a:buChar char="●"/>
             </a:pPr>
             <a:r>
-              <a:rPr lang="ru" sz="1800"/>
+              <a:rPr lang="ru" sz="1800">
+                <a:latin typeface="Times New Roman"/>
+                <a:ea typeface="Times New Roman"/>
+                <a:cs typeface="Times New Roman"/>
+                <a:sym typeface="Times New Roman"/>
+              </a:rPr>
               <a:t>ДЗ</a:t>
             </a:r>
-            <a:endParaRPr sz="1800"/>
+            <a:endParaRPr sz="1800">
+              <a:latin typeface="Times New Roman"/>
+              <a:ea typeface="Times New Roman"/>
+              <a:cs typeface="Times New Roman"/>
+              <a:sym typeface="Times New Roman"/>
+            </a:endParaRPr>
           </a:p>
         </p:txBody>
       </p:sp>
@@ -17317,10 +17481,10 @@
                 <a:solidFill>
                   <a:srgbClr val="FFFFFF"/>
                 </a:solidFill>
-                <a:latin typeface="Lato"/>
-                <a:ea typeface="Lato"/>
-                <a:cs typeface="Lato"/>
-                <a:sym typeface="Lato"/>
+                <a:latin typeface="Times New Roman"/>
+                <a:ea typeface="Times New Roman"/>
+                <a:cs typeface="Times New Roman"/>
+                <a:sym typeface="Times New Roman"/>
               </a:rPr>
               <a:t>2000</a:t>
             </a:r>
@@ -17328,10 +17492,10 @@
               <a:solidFill>
                 <a:srgbClr val="FFFFFF"/>
               </a:solidFill>
-              <a:latin typeface="Lato"/>
-              <a:ea typeface="Lato"/>
-              <a:cs typeface="Lato"/>
-              <a:sym typeface="Lato"/>
+              <a:latin typeface="Times New Roman"/>
+              <a:ea typeface="Times New Roman"/>
+              <a:cs typeface="Times New Roman"/>
+              <a:sym typeface="Times New Roman"/>
             </a:endParaRPr>
           </a:p>
         </p:txBody>
@@ -17375,10 +17539,10 @@
                 <a:solidFill>
                   <a:srgbClr val="FFFFFF"/>
                 </a:solidFill>
-                <a:latin typeface="Lato"/>
-                <a:ea typeface="Lato"/>
-                <a:cs typeface="Lato"/>
-                <a:sym typeface="Lato"/>
+                <a:latin typeface="Times New Roman"/>
+                <a:ea typeface="Times New Roman"/>
+                <a:cs typeface="Times New Roman"/>
+                <a:sym typeface="Times New Roman"/>
               </a:rPr>
               <a:t>2004</a:t>
             </a:r>
@@ -17386,10 +17550,10 @@
               <a:solidFill>
                 <a:srgbClr val="FFFFFF"/>
               </a:solidFill>
-              <a:latin typeface="Lato"/>
-              <a:ea typeface="Lato"/>
-              <a:cs typeface="Lato"/>
-              <a:sym typeface="Lato"/>
+              <a:latin typeface="Times New Roman"/>
+              <a:ea typeface="Times New Roman"/>
+              <a:cs typeface="Times New Roman"/>
+              <a:sym typeface="Times New Roman"/>
             </a:endParaRPr>
           </a:p>
         </p:txBody>
@@ -17433,10 +17597,10 @@
                 <a:solidFill>
                   <a:srgbClr val="FFFFFF"/>
                 </a:solidFill>
-                <a:latin typeface="Lato"/>
-                <a:ea typeface="Lato"/>
-                <a:cs typeface="Lato"/>
-                <a:sym typeface="Lato"/>
+                <a:latin typeface="Times New Roman"/>
+                <a:ea typeface="Times New Roman"/>
+                <a:cs typeface="Times New Roman"/>
+                <a:sym typeface="Times New Roman"/>
               </a:rPr>
               <a:t>2008</a:t>
             </a:r>
@@ -17444,10 +17608,10 @@
               <a:solidFill>
                 <a:srgbClr val="FFFFFF"/>
               </a:solidFill>
-              <a:latin typeface="Lato"/>
-              <a:ea typeface="Lato"/>
-              <a:cs typeface="Lato"/>
-              <a:sym typeface="Lato"/>
+              <a:latin typeface="Times New Roman"/>
+              <a:ea typeface="Times New Roman"/>
+              <a:cs typeface="Times New Roman"/>
+              <a:sym typeface="Times New Roman"/>
             </a:endParaRPr>
           </a:p>
         </p:txBody>
@@ -17491,10 +17655,10 @@
                 <a:solidFill>
                   <a:srgbClr val="FFFFFF"/>
                 </a:solidFill>
-                <a:latin typeface="Lato"/>
-                <a:ea typeface="Lato"/>
-                <a:cs typeface="Lato"/>
-                <a:sym typeface="Lato"/>
+                <a:latin typeface="Times New Roman"/>
+                <a:ea typeface="Times New Roman"/>
+                <a:cs typeface="Times New Roman"/>
+                <a:sym typeface="Times New Roman"/>
               </a:rPr>
               <a:t>2010</a:t>
             </a:r>
@@ -17502,10 +17666,10 @@
               <a:solidFill>
                 <a:srgbClr val="FFFFFF"/>
               </a:solidFill>
-              <a:latin typeface="Lato"/>
-              <a:ea typeface="Lato"/>
-              <a:cs typeface="Lato"/>
-              <a:sym typeface="Lato"/>
+              <a:latin typeface="Times New Roman"/>
+              <a:ea typeface="Times New Roman"/>
+              <a:cs typeface="Times New Roman"/>
+              <a:sym typeface="Times New Roman"/>
             </a:endParaRPr>
           </a:p>
         </p:txBody>
@@ -17549,10 +17713,10 @@
                 <a:solidFill>
                   <a:srgbClr val="FFFFFF"/>
                 </a:solidFill>
-                <a:latin typeface="Lato"/>
-                <a:ea typeface="Lato"/>
-                <a:cs typeface="Lato"/>
-                <a:sym typeface="Lato"/>
+                <a:latin typeface="Times New Roman"/>
+                <a:ea typeface="Times New Roman"/>
+                <a:cs typeface="Times New Roman"/>
+                <a:sym typeface="Times New Roman"/>
               </a:rPr>
               <a:t>2017</a:t>
             </a:r>
@@ -17560,10 +17724,10 @@
               <a:solidFill>
                 <a:srgbClr val="FFFFFF"/>
               </a:solidFill>
-              <a:latin typeface="Lato"/>
-              <a:ea typeface="Lato"/>
-              <a:cs typeface="Lato"/>
-              <a:sym typeface="Lato"/>
+              <a:latin typeface="Times New Roman"/>
+              <a:ea typeface="Times New Roman"/>
+              <a:cs typeface="Times New Roman"/>
+              <a:sym typeface="Times New Roman"/>
             </a:endParaRPr>
           </a:p>
         </p:txBody>
@@ -17657,6 +17821,10 @@
                 <a:solidFill>
                   <a:srgbClr val="FFFFFF"/>
                 </a:solidFill>
+                <a:latin typeface="Times New Roman"/>
+                <a:ea typeface="Times New Roman"/>
+                <a:cs typeface="Times New Roman"/>
+                <a:sym typeface="Times New Roman"/>
               </a:rPr>
               <a:t>С 2000 по 2008 год OpenCV разрабатывалась и поддерживалась в основном Intel</a:t>
             </a:r>
@@ -17664,6 +17832,10 @@
               <a:solidFill>
                 <a:srgbClr val="FFFFFF"/>
               </a:solidFill>
+              <a:latin typeface="Times New Roman"/>
+              <a:ea typeface="Times New Roman"/>
+              <a:cs typeface="Times New Roman"/>
+              <a:sym typeface="Times New Roman"/>
             </a:endParaRPr>
           </a:p>
         </p:txBody>
@@ -17707,6 +17879,10 @@
                 <a:solidFill>
                   <a:srgbClr val="FFFFFF"/>
                 </a:solidFill>
+                <a:latin typeface="Times New Roman"/>
+                <a:ea typeface="Times New Roman"/>
+                <a:cs typeface="Times New Roman"/>
+                <a:sym typeface="Times New Roman"/>
               </a:rPr>
               <a:t>Однако, в 2004 году Intel практически прекратил поддержку библиотеки</a:t>
             </a:r>
@@ -17714,6 +17890,10 @@
               <a:solidFill>
                 <a:srgbClr val="FFFFFF"/>
               </a:solidFill>
+              <a:latin typeface="Times New Roman"/>
+              <a:ea typeface="Times New Roman"/>
+              <a:cs typeface="Times New Roman"/>
+              <a:sym typeface="Times New Roman"/>
             </a:endParaRPr>
           </a:p>
           <a:p>
@@ -17733,6 +17913,10 @@
               <a:solidFill>
                 <a:srgbClr val="FFFFFF"/>
               </a:solidFill>
+              <a:latin typeface="Times New Roman"/>
+              <a:ea typeface="Times New Roman"/>
+              <a:cs typeface="Times New Roman"/>
+              <a:sym typeface="Times New Roman"/>
             </a:endParaRPr>
           </a:p>
         </p:txBody>
@@ -17795,8 +17979,8 @@
         </p:nvSpPr>
         <p:spPr>
           <a:xfrm>
-            <a:off x="3035990" y="1047275"/>
-            <a:ext cx="2609100" cy="1213200"/>
+            <a:off x="2913650" y="1047275"/>
+            <a:ext cx="2488500" cy="1213200"/>
           </a:xfrm>
           <a:prstGeom prst="rect">
             <a:avLst/>
@@ -17826,6 +18010,10 @@
                 <a:solidFill>
                   <a:srgbClr val="FFFFFF"/>
                 </a:solidFill>
+                <a:latin typeface="Times New Roman"/>
+                <a:ea typeface="Times New Roman"/>
+                <a:cs typeface="Times New Roman"/>
+                <a:sym typeface="Times New Roman"/>
               </a:rPr>
               <a:t>Появление С++ и Python API, модуля features2d, новой архитектуры, билд-системы на основе CMake, улучшенной документации </a:t>
             </a:r>
@@ -17833,6 +18021,10 @@
               <a:solidFill>
                 <a:srgbClr val="FFFFFF"/>
               </a:solidFill>
+              <a:latin typeface="Times New Roman"/>
+              <a:ea typeface="Times New Roman"/>
+              <a:cs typeface="Times New Roman"/>
+              <a:sym typeface="Times New Roman"/>
             </a:endParaRPr>
           </a:p>
         </p:txBody>
@@ -17876,6 +18068,10 @@
                 <a:solidFill>
                   <a:srgbClr val="FFFFFF"/>
                 </a:solidFill>
+                <a:latin typeface="Times New Roman"/>
+                <a:ea typeface="Times New Roman"/>
+                <a:cs typeface="Times New Roman"/>
+                <a:sym typeface="Times New Roman"/>
               </a:rPr>
               <a:t>Формирование новой команды из бывших сотрудников intel</a:t>
             </a:r>
@@ -17884,6 +18080,10 @@
                 <a:solidFill>
                   <a:srgbClr val="FFFFFF"/>
                 </a:solidFill>
+                <a:latin typeface="Times New Roman"/>
+                <a:ea typeface="Times New Roman"/>
+                <a:cs typeface="Times New Roman"/>
+                <a:sym typeface="Times New Roman"/>
               </a:rPr>
             </a:br>
             <a:r>
@@ -17891,6 +18091,10 @@
                 <a:solidFill>
                   <a:srgbClr val="FFFFFF"/>
                 </a:solidFill>
+                <a:latin typeface="Times New Roman"/>
+                <a:ea typeface="Times New Roman"/>
+                <a:cs typeface="Times New Roman"/>
+                <a:sym typeface="Times New Roman"/>
               </a:rPr>
               <a:t>(многие из которых русские) </a:t>
             </a:r>
@@ -17898,6 +18102,10 @@
               <a:solidFill>
                 <a:srgbClr val="FFFFFF"/>
               </a:solidFill>
+              <a:latin typeface="Times New Roman"/>
+              <a:ea typeface="Times New Roman"/>
+              <a:cs typeface="Times New Roman"/>
+              <a:sym typeface="Times New Roman"/>
             </a:endParaRPr>
           </a:p>
           <a:p>
@@ -17917,6 +18125,10 @@
               <a:solidFill>
                 <a:srgbClr val="FFFFFF"/>
               </a:solidFill>
+              <a:latin typeface="Times New Roman"/>
+              <a:ea typeface="Times New Roman"/>
+              <a:cs typeface="Times New Roman"/>
+              <a:sym typeface="Times New Roman"/>
             </a:endParaRPr>
           </a:p>
         </p:txBody>
@@ -17980,7 +18192,7 @@
         <p:spPr>
           <a:xfrm>
             <a:off x="5238125" y="1082225"/>
-            <a:ext cx="2051100" cy="1014300"/>
+            <a:ext cx="1872300" cy="1014300"/>
           </a:xfrm>
           <a:prstGeom prst="rect">
             <a:avLst/>
@@ -18010,6 +18222,10 @@
                 <a:solidFill>
                   <a:srgbClr val="FFFFFF"/>
                 </a:solidFill>
+                <a:latin typeface="Times New Roman"/>
+                <a:ea typeface="Times New Roman"/>
+                <a:cs typeface="Times New Roman"/>
+                <a:sym typeface="Times New Roman"/>
               </a:rPr>
               <a:t>Активная поддержка технологий nVidia, CUDA, OpenCL, поддержка Java </a:t>
             </a:r>
@@ -18018,6 +18234,10 @@
                 <a:solidFill>
                   <a:srgbClr val="FFFFFF"/>
                 </a:solidFill>
+                <a:latin typeface="Times New Roman"/>
+                <a:ea typeface="Times New Roman"/>
+                <a:cs typeface="Times New Roman"/>
+                <a:sym typeface="Times New Roman"/>
               </a:rPr>
             </a:br>
             <a:r>
@@ -18025,6 +18245,10 @@
                 <a:solidFill>
                   <a:srgbClr val="FFFFFF"/>
                 </a:solidFill>
+                <a:latin typeface="Times New Roman"/>
+                <a:ea typeface="Times New Roman"/>
+                <a:cs typeface="Times New Roman"/>
+                <a:sym typeface="Times New Roman"/>
               </a:rPr>
               <a:t>и Android и многое другое </a:t>
             </a:r>
@@ -18032,6 +18256,10 @@
               <a:solidFill>
                 <a:srgbClr val="FFFFFF"/>
               </a:solidFill>
+              <a:latin typeface="Times New Roman"/>
+              <a:ea typeface="Times New Roman"/>
+              <a:cs typeface="Times New Roman"/>
+              <a:sym typeface="Times New Roman"/>
             </a:endParaRPr>
           </a:p>
           <a:p>
@@ -18051,6 +18279,10 @@
               <a:solidFill>
                 <a:srgbClr val="FFFFFF"/>
               </a:solidFill>
+              <a:latin typeface="Times New Roman"/>
+              <a:ea typeface="Times New Roman"/>
+              <a:cs typeface="Times New Roman"/>
+              <a:sym typeface="Times New Roman"/>
             </a:endParaRPr>
           </a:p>
         </p:txBody>
@@ -18094,6 +18326,10 @@
                 <a:solidFill>
                   <a:srgbClr val="FFFFFF"/>
                 </a:solidFill>
+                <a:latin typeface="Times New Roman"/>
+                <a:ea typeface="Times New Roman"/>
+                <a:cs typeface="Times New Roman"/>
+                <a:sym typeface="Times New Roman"/>
               </a:rPr>
               <a:t>Популяризация параллельных вычислений, CUDA</a:t>
             </a:r>
@@ -18101,6 +18337,10 @@
               <a:solidFill>
                 <a:srgbClr val="FFFFFF"/>
               </a:solidFill>
+              <a:latin typeface="Times New Roman"/>
+              <a:ea typeface="Times New Roman"/>
+              <a:cs typeface="Times New Roman"/>
+              <a:sym typeface="Times New Roman"/>
             </a:endParaRPr>
           </a:p>
           <a:p>
@@ -18120,6 +18360,10 @@
               <a:solidFill>
                 <a:srgbClr val="FFFFFF"/>
               </a:solidFill>
+              <a:latin typeface="Times New Roman"/>
+              <a:ea typeface="Times New Roman"/>
+              <a:cs typeface="Times New Roman"/>
+              <a:sym typeface="Times New Roman"/>
             </a:endParaRPr>
           </a:p>
         </p:txBody>
@@ -18163,6 +18407,10 @@
                 <a:solidFill>
                   <a:srgbClr val="FFFFFF"/>
                 </a:solidFill>
+                <a:latin typeface="Times New Roman"/>
+                <a:ea typeface="Times New Roman"/>
+                <a:cs typeface="Times New Roman"/>
+                <a:sym typeface="Times New Roman"/>
               </a:rPr>
               <a:t>Популяризация нейронных сетей и других методов машинного обучения</a:t>
             </a:r>
@@ -18170,6 +18418,10 @@
               <a:solidFill>
                 <a:srgbClr val="FFFFFF"/>
               </a:solidFill>
+              <a:latin typeface="Times New Roman"/>
+              <a:ea typeface="Times New Roman"/>
+              <a:cs typeface="Times New Roman"/>
+              <a:sym typeface="Times New Roman"/>
             </a:endParaRPr>
           </a:p>
           <a:p>
@@ -18189,6 +18441,10 @@
               <a:solidFill>
                 <a:srgbClr val="FFFFFF"/>
               </a:solidFill>
+              <a:latin typeface="Times New Roman"/>
+              <a:ea typeface="Times New Roman"/>
+              <a:cs typeface="Times New Roman"/>
+              <a:sym typeface="Times New Roman"/>
             </a:endParaRPr>
           </a:p>
         </p:txBody>
@@ -18251,8 +18507,8 @@
         </p:nvSpPr>
         <p:spPr>
           <a:xfrm>
-            <a:off x="6999950" y="1082225"/>
-            <a:ext cx="2051100" cy="1014300"/>
+            <a:off x="7092900" y="1082225"/>
+            <a:ext cx="1775700" cy="1014300"/>
           </a:xfrm>
           <a:prstGeom prst="rect">
             <a:avLst/>
@@ -18282,6 +18538,10 @@
                 <a:solidFill>
                   <a:srgbClr val="FFFFFF"/>
                 </a:solidFill>
+                <a:latin typeface="Times New Roman"/>
+                <a:ea typeface="Times New Roman"/>
+                <a:cs typeface="Times New Roman"/>
+                <a:sym typeface="Times New Roman"/>
               </a:rPr>
               <a:t>Внедрение новых модулей, включающих поддержку НС и др.</a:t>
             </a:r>
@@ -18290,6 +18550,10 @@
                 <a:solidFill>
                   <a:srgbClr val="FFFFFF"/>
                 </a:solidFill>
+                <a:latin typeface="Times New Roman"/>
+                <a:ea typeface="Times New Roman"/>
+                <a:cs typeface="Times New Roman"/>
+                <a:sym typeface="Times New Roman"/>
               </a:rPr>
             </a:br>
             <a:r>
@@ -18297,6 +18561,10 @@
                 <a:solidFill>
                   <a:srgbClr val="FFFFFF"/>
                 </a:solidFill>
+                <a:latin typeface="Times New Roman"/>
+                <a:ea typeface="Times New Roman"/>
+                <a:cs typeface="Times New Roman"/>
+                <a:sym typeface="Times New Roman"/>
               </a:rPr>
               <a:t>Оптимизация вычислений </a:t>
             </a:r>
@@ -18305,6 +18573,10 @@
                 <a:solidFill>
                   <a:srgbClr val="FFFFFF"/>
                 </a:solidFill>
+                <a:latin typeface="Times New Roman"/>
+                <a:ea typeface="Times New Roman"/>
+                <a:cs typeface="Times New Roman"/>
+                <a:sym typeface="Times New Roman"/>
               </a:rPr>
               <a:t>...</a:t>
             </a:r>
@@ -18313,6 +18585,10 @@
                 <a:solidFill>
                   <a:srgbClr val="FFFFFF"/>
                 </a:solidFill>
+                <a:latin typeface="Times New Roman"/>
+                <a:ea typeface="Times New Roman"/>
+                <a:cs typeface="Times New Roman"/>
+                <a:sym typeface="Times New Roman"/>
               </a:rPr>
               <a:t>.</a:t>
             </a:r>
@@ -18321,6 +18597,10 @@
                 <a:solidFill>
                   <a:srgbClr val="FFFFFF"/>
                 </a:solidFill>
+                <a:latin typeface="Times New Roman"/>
+                <a:ea typeface="Times New Roman"/>
+                <a:cs typeface="Times New Roman"/>
+                <a:sym typeface="Times New Roman"/>
               </a:rPr>
               <a:t> </a:t>
             </a:r>
@@ -18328,6 +18608,10 @@
               <a:solidFill>
                 <a:srgbClr val="FFFFFF"/>
               </a:solidFill>
+              <a:latin typeface="Times New Roman"/>
+              <a:ea typeface="Times New Roman"/>
+              <a:cs typeface="Times New Roman"/>
+              <a:sym typeface="Times New Roman"/>
             </a:endParaRPr>
           </a:p>
           <a:p>
@@ -18347,6 +18631,10 @@
               <a:solidFill>
                 <a:srgbClr val="FFFFFF"/>
               </a:solidFill>
+              <a:latin typeface="Times New Roman"/>
+              <a:ea typeface="Times New Roman"/>
+              <a:cs typeface="Times New Roman"/>
+              <a:sym typeface="Times New Roman"/>
             </a:endParaRPr>
           </a:p>
         </p:txBody>
